--- a/pt/ProgrammingLessons/Comments.pptx
+++ b/pt/ProgrammingLessons/Comments.pptx
@@ -134,6 +134,175 @@
 </p:presentation>
 </file>
 
+<file path=ppt/revisionInfo.xml><?xml version="1.0" encoding="utf-8"?>
+<p1510:revInfo xmlns:a="http://schemas.openxmlformats.org/drawingml/2006/main" xmlns:r="http://schemas.openxmlformats.org/officeDocument/2006/relationships" xmlns:p1510="http://schemas.microsoft.com/office/powerpoint/2015/10/main">
+  <p1510:revLst>
+    <p1510:client id="{88BC1593-668E-4D7D-A5B7-EA0629B7EC1A}" v="5" dt="2020-07-12T23:36:13.100"/>
+  </p1510:revLst>
+</p1510:revInfo>
+</file>
+
+<file path=ppt/changesInfos/changesInfo1.xml><?xml version="1.0" encoding="utf-8"?>
+<pc:chgInfo xmlns:a="http://schemas.openxmlformats.org/drawingml/2006/main" xmlns:r="http://schemas.openxmlformats.org/officeDocument/2006/relationships" xmlns:ac="http://schemas.microsoft.com/office/drawing/2013/main/command" xmlns:pc="http://schemas.microsoft.com/office/powerpoint/2013/main/command">
+  <pc:docChgLst>
+    <pc:chgData name="Anderson Harayashiki Moreira" userId="07ffc975ff648281" providerId="LiveId" clId="{88BC1593-668E-4D7D-A5B7-EA0629B7EC1A}"/>
+    <pc:docChg chg="custSel modSld">
+      <pc:chgData name="Anderson Harayashiki Moreira" userId="07ffc975ff648281" providerId="LiveId" clId="{88BC1593-668E-4D7D-A5B7-EA0629B7EC1A}" dt="2020-07-12T23:36:13.100" v="106"/>
+      <pc:docMkLst>
+        <pc:docMk/>
+      </pc:docMkLst>
+      <pc:sldChg chg="addSp delSp modSp">
+        <pc:chgData name="Anderson Harayashiki Moreira" userId="07ffc975ff648281" providerId="LiveId" clId="{88BC1593-668E-4D7D-A5B7-EA0629B7EC1A}" dt="2020-07-12T23:36:13.100" v="106"/>
+        <pc:sldMkLst>
+          <pc:docMk/>
+          <pc:sldMk cId="675085363" sldId="257"/>
+        </pc:sldMkLst>
+        <pc:spChg chg="mod">
+          <ac:chgData name="Anderson Harayashiki Moreira" userId="07ffc975ff648281" providerId="LiveId" clId="{88BC1593-668E-4D7D-A5B7-EA0629B7EC1A}" dt="2020-07-12T23:31:14.465" v="3" actId="20577"/>
+          <ac:spMkLst>
+            <pc:docMk/>
+            <pc:sldMk cId="675085363" sldId="257"/>
+            <ac:spMk id="3" creationId="{00000000-0000-0000-0000-000000000000}"/>
+          </ac:spMkLst>
+        </pc:spChg>
+        <pc:spChg chg="del">
+          <ac:chgData name="Anderson Harayashiki Moreira" userId="07ffc975ff648281" providerId="LiveId" clId="{88BC1593-668E-4D7D-A5B7-EA0629B7EC1A}" dt="2020-07-12T23:36:12.421" v="105" actId="478"/>
+          <ac:spMkLst>
+            <pc:docMk/>
+            <pc:sldMk cId="675085363" sldId="257"/>
+            <ac:spMk id="4" creationId="{00000000-0000-0000-0000-000000000000}"/>
+          </ac:spMkLst>
+        </pc:spChg>
+        <pc:spChg chg="add">
+          <ac:chgData name="Anderson Harayashiki Moreira" userId="07ffc975ff648281" providerId="LiveId" clId="{88BC1593-668E-4D7D-A5B7-EA0629B7EC1A}" dt="2020-07-12T23:36:13.100" v="106"/>
+          <ac:spMkLst>
+            <pc:docMk/>
+            <pc:sldMk cId="675085363" sldId="257"/>
+            <ac:spMk id="6" creationId="{BB563F4D-58DD-411E-94CA-F2F29A7B0F91}"/>
+          </ac:spMkLst>
+        </pc:spChg>
+      </pc:sldChg>
+      <pc:sldChg chg="addSp delSp modSp">
+        <pc:chgData name="Anderson Harayashiki Moreira" userId="07ffc975ff648281" providerId="LiveId" clId="{88BC1593-668E-4D7D-A5B7-EA0629B7EC1A}" dt="2020-07-12T23:36:10.215" v="104"/>
+        <pc:sldMkLst>
+          <pc:docMk/>
+          <pc:sldMk cId="2983117676" sldId="276"/>
+        </pc:sldMkLst>
+        <pc:spChg chg="mod">
+          <ac:chgData name="Anderson Harayashiki Moreira" userId="07ffc975ff648281" providerId="LiveId" clId="{88BC1593-668E-4D7D-A5B7-EA0629B7EC1A}" dt="2020-07-12T23:32:32.457" v="36" actId="123"/>
+          <ac:spMkLst>
+            <pc:docMk/>
+            <pc:sldMk cId="2983117676" sldId="276"/>
+            <ac:spMk id="3" creationId="{AC66B323-521F-47E4-95DD-28A8676B9666}"/>
+          </ac:spMkLst>
+        </pc:spChg>
+        <pc:spChg chg="del">
+          <ac:chgData name="Anderson Harayashiki Moreira" userId="07ffc975ff648281" providerId="LiveId" clId="{88BC1593-668E-4D7D-A5B7-EA0629B7EC1A}" dt="2020-07-12T23:36:09.580" v="103" actId="478"/>
+          <ac:spMkLst>
+            <pc:docMk/>
+            <pc:sldMk cId="2983117676" sldId="276"/>
+            <ac:spMk id="4" creationId="{6CBAA240-7F92-4B96-A06C-3978A16B5EDC}"/>
+          </ac:spMkLst>
+        </pc:spChg>
+        <pc:spChg chg="add">
+          <ac:chgData name="Anderson Harayashiki Moreira" userId="07ffc975ff648281" providerId="LiveId" clId="{88BC1593-668E-4D7D-A5B7-EA0629B7EC1A}" dt="2020-07-12T23:36:10.215" v="104"/>
+          <ac:spMkLst>
+            <pc:docMk/>
+            <pc:sldMk cId="2983117676" sldId="276"/>
+            <ac:spMk id="6" creationId="{49B317CE-B039-451B-AD74-EED6FCABEC2A}"/>
+          </ac:spMkLst>
+        </pc:spChg>
+      </pc:sldChg>
+      <pc:sldChg chg="addSp delSp">
+        <pc:chgData name="Anderson Harayashiki Moreira" userId="07ffc975ff648281" providerId="LiveId" clId="{88BC1593-668E-4D7D-A5B7-EA0629B7EC1A}" dt="2020-07-12T23:36:07.380" v="102"/>
+        <pc:sldMkLst>
+          <pc:docMk/>
+          <pc:sldMk cId="4206359726" sldId="277"/>
+        </pc:sldMkLst>
+        <pc:spChg chg="del">
+          <ac:chgData name="Anderson Harayashiki Moreira" userId="07ffc975ff648281" providerId="LiveId" clId="{88BC1593-668E-4D7D-A5B7-EA0629B7EC1A}" dt="2020-07-12T23:36:06.770" v="101" actId="478"/>
+          <ac:spMkLst>
+            <pc:docMk/>
+            <pc:sldMk cId="4206359726" sldId="277"/>
+            <ac:spMk id="4" creationId="{6B03140A-27A8-4568-99A5-646F4F7D628B}"/>
+          </ac:spMkLst>
+        </pc:spChg>
+        <pc:spChg chg="add">
+          <ac:chgData name="Anderson Harayashiki Moreira" userId="07ffc975ff648281" providerId="LiveId" clId="{88BC1593-668E-4D7D-A5B7-EA0629B7EC1A}" dt="2020-07-12T23:36:07.380" v="102"/>
+          <ac:spMkLst>
+            <pc:docMk/>
+            <pc:sldMk cId="4206359726" sldId="277"/>
+            <ac:spMk id="11" creationId="{2300CF30-C31E-42B0-90B9-C611FCA5E29F}"/>
+          </ac:spMkLst>
+        </pc:spChg>
+      </pc:sldChg>
+      <pc:sldChg chg="addSp delSp modSp">
+        <pc:chgData name="Anderson Harayashiki Moreira" userId="07ffc975ff648281" providerId="LiveId" clId="{88BC1593-668E-4D7D-A5B7-EA0629B7EC1A}" dt="2020-07-12T23:36:04.264" v="100"/>
+        <pc:sldMkLst>
+          <pc:docMk/>
+          <pc:sldMk cId="3789190319" sldId="278"/>
+        </pc:sldMkLst>
+        <pc:spChg chg="mod">
+          <ac:chgData name="Anderson Harayashiki Moreira" userId="07ffc975ff648281" providerId="LiveId" clId="{88BC1593-668E-4D7D-A5B7-EA0629B7EC1A}" dt="2020-07-12T23:34:02.673" v="43" actId="20577"/>
+          <ac:spMkLst>
+            <pc:docMk/>
+            <pc:sldMk cId="3789190319" sldId="278"/>
+            <ac:spMk id="2" creationId="{664A1B18-D0C3-44A9-82DC-9A3295EDC83B}"/>
+          </ac:spMkLst>
+        </pc:spChg>
+        <pc:spChg chg="mod">
+          <ac:chgData name="Anderson Harayashiki Moreira" userId="07ffc975ff648281" providerId="LiveId" clId="{88BC1593-668E-4D7D-A5B7-EA0629B7EC1A}" dt="2020-07-12T23:35:20.547" v="49" actId="14100"/>
+          <ac:spMkLst>
+            <pc:docMk/>
+            <pc:sldMk cId="3789190319" sldId="278"/>
+            <ac:spMk id="3" creationId="{6ED3329B-13BD-4934-84C3-9EF3EF812A27}"/>
+          </ac:spMkLst>
+        </pc:spChg>
+        <pc:spChg chg="del">
+          <ac:chgData name="Anderson Harayashiki Moreira" userId="07ffc975ff648281" providerId="LiveId" clId="{88BC1593-668E-4D7D-A5B7-EA0629B7EC1A}" dt="2020-07-12T23:36:03.499" v="99" actId="478"/>
+          <ac:spMkLst>
+            <pc:docMk/>
+            <pc:sldMk cId="3789190319" sldId="278"/>
+            <ac:spMk id="4" creationId="{51CA3E5A-309E-452C-B754-3213F3292FEB}"/>
+          </ac:spMkLst>
+        </pc:spChg>
+        <pc:spChg chg="add">
+          <ac:chgData name="Anderson Harayashiki Moreira" userId="07ffc975ff648281" providerId="LiveId" clId="{88BC1593-668E-4D7D-A5B7-EA0629B7EC1A}" dt="2020-07-12T23:36:04.264" v="100"/>
+          <ac:spMkLst>
+            <pc:docMk/>
+            <pc:sldMk cId="3789190319" sldId="278"/>
+            <ac:spMk id="7" creationId="{616C0C0F-4914-401A-B63B-8586CA464E3E}"/>
+          </ac:spMkLst>
+        </pc:spChg>
+      </pc:sldChg>
+      <pc:sldChg chg="modSp">
+        <pc:chgData name="Anderson Harayashiki Moreira" userId="07ffc975ff648281" providerId="LiveId" clId="{88BC1593-668E-4D7D-A5B7-EA0629B7EC1A}" dt="2020-07-12T23:35:55.335" v="98" actId="20577"/>
+        <pc:sldMkLst>
+          <pc:docMk/>
+          <pc:sldMk cId="3392129947" sldId="288"/>
+        </pc:sldMkLst>
+        <pc:spChg chg="mod">
+          <ac:chgData name="Anderson Harayashiki Moreira" userId="07ffc975ff648281" providerId="LiveId" clId="{88BC1593-668E-4D7D-A5B7-EA0629B7EC1A}" dt="2020-07-12T23:35:42.812" v="94" actId="20577"/>
+          <ac:spMkLst>
+            <pc:docMk/>
+            <pc:sldMk cId="3392129947" sldId="288"/>
+            <ac:spMk id="3" creationId="{00000000-0000-0000-0000-000000000000}"/>
+          </ac:spMkLst>
+        </pc:spChg>
+        <pc:spChg chg="mod">
+          <ac:chgData name="Anderson Harayashiki Moreira" userId="07ffc975ff648281" providerId="LiveId" clId="{88BC1593-668E-4D7D-A5B7-EA0629B7EC1A}" dt="2020-07-12T23:35:55.335" v="98" actId="20577"/>
+          <ac:spMkLst>
+            <pc:docMk/>
+            <pc:sldMk cId="3392129947" sldId="288"/>
+            <ac:spMk id="4" creationId="{00000000-0000-0000-0000-000000000000}"/>
+          </ac:spMkLst>
+        </pc:spChg>
+      </pc:sldChg>
+    </pc:docChg>
+  </pc:docChgLst>
+</pc:chgInfo>
+</file>
+
 <file path=ppt/handoutMasters/handoutMaster1.xml><?xml version="1.0" encoding="utf-8"?>
 <p:handoutMaster xmlns:a="http://schemas.openxmlformats.org/drawingml/2006/main" xmlns:r="http://schemas.openxmlformats.org/officeDocument/2006/relationships" xmlns:p="http://schemas.openxmlformats.org/presentationml/2006/main">
   <p:cSld>
@@ -216,7 +385,7 @@
           <a:p>
             <a:fld id="{58040048-1E4D-CD41-AC49-0750EB72586B}" type="datetimeFigureOut">
               <a:rPr lang="en-US" smtClean="0"/>
-              <a:t>6/8/2020</a:t>
+              <a:t>7/12/2020</a:t>
             </a:fld>
             <a:endParaRPr lang="en-US"/>
           </a:p>
@@ -382,7 +551,7 @@
           <a:p>
             <a:fld id="{2B8484CF-5098-F24E-8881-583515D5C406}" type="datetimeFigureOut">
               <a:rPr lang="en-US" smtClean="0"/>
-              <a:t>6/8/2020</a:t>
+              <a:t>7/12/2020</a:t>
             </a:fld>
             <a:endParaRPr lang="en-US"/>
           </a:p>
@@ -5605,13 +5774,13 @@
           <a:p>
             <a:r>
               <a:rPr lang="pt-BR" dirty="0"/>
-              <a:t>Aprender a comentar o código</a:t>
+              <a:t>Aprender a comentar um código</a:t>
             </a:r>
           </a:p>
           <a:p>
             <a:r>
               <a:rPr lang="pt-BR" dirty="0"/>
-              <a:t>Entender a importância de comentar o código</a:t>
+              <a:t>Entender a importância de comentar um código</a:t>
             </a:r>
           </a:p>
           <a:p>
@@ -5622,28 +5791,6 @@
           </a:p>
           <a:p>
             <a:endParaRPr lang="en-US" dirty="0"/>
-          </a:p>
-        </p:txBody>
-      </p:sp>
-      <p:sp>
-        <p:nvSpPr>
-          <p:cNvPr id="4" name="Footer Placeholder 3"/>
-          <p:cNvSpPr>
-            <a:spLocks noGrp="1"/>
-          </p:cNvSpPr>
-          <p:nvPr>
-            <p:ph type="ftr" sz="quarter" idx="11"/>
-          </p:nvPr>
-        </p:nvSpPr>
-        <p:spPr/>
-        <p:txBody>
-          <a:bodyPr/>
-          <a:lstStyle/>
-          <a:p>
-            <a:r>
-              <a:rPr lang="en-US"/>
-              <a:t>Copyright © 2020 SPIKE Prime Lessons (primelessons.org) CC-BY-NC-SA.  (Last edit: 1/9/2020)</a:t>
-            </a:r>
           </a:p>
         </p:txBody>
       </p:sp>
@@ -5673,6 +5820,39 @@
               <a:t>2</a:t>
             </a:fld>
             <a:endParaRPr lang="en-US"/>
+          </a:p>
+        </p:txBody>
+      </p:sp>
+      <p:sp>
+        <p:nvSpPr>
+          <p:cNvPr id="6" name="Footer Placeholder 3">
+            <a:extLst>
+              <a:ext uri="{FF2B5EF4-FFF2-40B4-BE49-F238E27FC236}">
+                <a16:creationId xmlns:a16="http://schemas.microsoft.com/office/drawing/2014/main" id="{BB563F4D-58DD-411E-94CA-F2F29A7B0F91}"/>
+              </a:ext>
+            </a:extLst>
+          </p:cNvPr>
+          <p:cNvSpPr>
+            <a:spLocks noGrp="1"/>
+          </p:cNvSpPr>
+          <p:nvPr>
+            <p:ph type="ftr" sz="quarter" idx="11"/>
+          </p:nvPr>
+        </p:nvSpPr>
+        <p:spPr>
+          <a:xfrm>
+            <a:off x="88409" y="6321349"/>
+            <a:ext cx="4870585" cy="365125"/>
+          </a:xfrm>
+        </p:spPr>
+        <p:txBody>
+          <a:bodyPr/>
+          <a:lstStyle/>
+          <a:p>
+            <a:r>
+              <a:rPr lang="en-US" dirty="0"/>
+              <a:t>Copyright © 2020 SPIKE Prime Lessons (primelessons.org) CC-BY-NC-SA.  (Last edit: 07/12/2020)</a:t>
+            </a:r>
           </a:p>
         </p:txBody>
       </p:sp>
@@ -5777,69 +5957,46 @@
           <a:bodyPr/>
           <a:lstStyle/>
           <a:p>
+            <a:pPr algn="just"/>
             <a:r>
               <a:rPr lang="pt-BR" dirty="0"/>
-              <a:t>Comentários ajudam o autor da programação a lembrar qual era seu objetivo.</a:t>
-            </a:r>
-          </a:p>
-          <a:p>
+              <a:t>Comentários ajudam o autor da programação a lembrar qual eram as tarefas a serem cumpridas.</a:t>
+            </a:r>
+          </a:p>
+          <a:p>
+            <a:pPr algn="just"/>
             <a:r>
               <a:rPr lang="pt-BR" dirty="0"/>
-              <a:t>Você pode usa-los para registrar objetivos ou o pseudocódigo.</a:t>
-            </a:r>
-          </a:p>
-          <a:p>
+              <a:t>Você pode usá-los para registrar objetivos ou o pseudocódigo.</a:t>
+            </a:r>
+          </a:p>
+          <a:p>
+            <a:pPr algn="just"/>
             <a:r>
               <a:rPr lang="pt-BR" dirty="0"/>
               <a:t>Torna mais fácil achar e solucionar problemas.</a:t>
             </a:r>
           </a:p>
           <a:p>
+            <a:pPr algn="just"/>
             <a:r>
               <a:rPr lang="pt-BR" dirty="0"/>
               <a:t>Pode usar para tomar notas de valores.</a:t>
             </a:r>
           </a:p>
           <a:p>
+            <a:pPr algn="just"/>
             <a:r>
               <a:rPr lang="pt-BR" dirty="0"/>
               <a:t>Mais importante ainda, comentários permitem que outras pessoas, além do autor, entendam o programa.</a:t>
             </a:r>
           </a:p>
           <a:p>
+            <a:pPr algn="just"/>
             <a:r>
               <a:rPr lang="pt-BR" dirty="0"/>
               <a:t>Adquira o hábito de comentar seus programas.</a:t>
             </a:r>
-          </a:p>
-        </p:txBody>
-      </p:sp>
-      <p:sp>
-        <p:nvSpPr>
-          <p:cNvPr id="4" name="Footer Placeholder 3">
-            <a:extLst>
-              <a:ext uri="{FF2B5EF4-FFF2-40B4-BE49-F238E27FC236}">
-                <a16:creationId xmlns:a16="http://schemas.microsoft.com/office/drawing/2014/main" id="{6CBAA240-7F92-4B96-A06C-3978A16B5EDC}"/>
-              </a:ext>
-            </a:extLst>
-          </p:cNvPr>
-          <p:cNvSpPr>
-            <a:spLocks noGrp="1"/>
-          </p:cNvSpPr>
-          <p:nvPr>
-            <p:ph type="ftr" sz="quarter" idx="11"/>
-          </p:nvPr>
-        </p:nvSpPr>
-        <p:spPr/>
-        <p:txBody>
-          <a:bodyPr/>
-          <a:lstStyle/>
-          <a:p>
-            <a:r>
-              <a:rPr lang="en-US"/>
-              <a:t>Copyright © 2020 SPIKE Prime Lessons (primelessons.org) CC-BY-NC-SA.  (Last edit: 1/9/2020)</a:t>
-            </a:r>
-            <a:endParaRPr lang="en-US" dirty="0"/>
           </a:p>
         </p:txBody>
       </p:sp>
@@ -5869,6 +6026,39 @@
               <a:t>3</a:t>
             </a:fld>
             <a:endParaRPr lang="en-US"/>
+          </a:p>
+        </p:txBody>
+      </p:sp>
+      <p:sp>
+        <p:nvSpPr>
+          <p:cNvPr id="6" name="Footer Placeholder 3">
+            <a:extLst>
+              <a:ext uri="{FF2B5EF4-FFF2-40B4-BE49-F238E27FC236}">
+                <a16:creationId xmlns:a16="http://schemas.microsoft.com/office/drawing/2014/main" id="{49B317CE-B039-451B-AD74-EED6FCABEC2A}"/>
+              </a:ext>
+            </a:extLst>
+          </p:cNvPr>
+          <p:cNvSpPr>
+            <a:spLocks noGrp="1"/>
+          </p:cNvSpPr>
+          <p:nvPr>
+            <p:ph type="ftr" sz="quarter" idx="11"/>
+          </p:nvPr>
+        </p:nvSpPr>
+        <p:spPr>
+          <a:xfrm>
+            <a:off x="88409" y="6321349"/>
+            <a:ext cx="4870585" cy="365125"/>
+          </a:xfrm>
+        </p:spPr>
+        <p:txBody>
+          <a:bodyPr/>
+          <a:lstStyle/>
+          <a:p>
+            <a:r>
+              <a:rPr lang="en-US" dirty="0"/>
+              <a:t>Copyright © 2020 SPIKE Prime Lessons (primelessons.org) CC-BY-NC-SA.  (Last edit: 07/12/2020)</a:t>
+            </a:r>
           </a:p>
         </p:txBody>
       </p:sp>
@@ -5978,35 +6168,6 @@
       </p:sp>
       <p:sp>
         <p:nvSpPr>
-          <p:cNvPr id="4" name="Footer Placeholder 3">
-            <a:extLst>
-              <a:ext uri="{FF2B5EF4-FFF2-40B4-BE49-F238E27FC236}">
-                <a16:creationId xmlns:a16="http://schemas.microsoft.com/office/drawing/2014/main" id="{6B03140A-27A8-4568-99A5-646F4F7D628B}"/>
-              </a:ext>
-            </a:extLst>
-          </p:cNvPr>
-          <p:cNvSpPr>
-            <a:spLocks noGrp="1"/>
-          </p:cNvSpPr>
-          <p:nvPr>
-            <p:ph type="ftr" sz="quarter" idx="11"/>
-          </p:nvPr>
-        </p:nvSpPr>
-        <p:spPr/>
-        <p:txBody>
-          <a:bodyPr/>
-          <a:lstStyle/>
-          <a:p>
-            <a:r>
-              <a:rPr lang="en-US"/>
-              <a:t>Copyright © 2020 SPIKE Prime Lessons (primelessons.org) CC-BY-NC-SA.  (Last edit: 1/9/2020)</a:t>
-            </a:r>
-            <a:endParaRPr lang="en-US" dirty="0"/>
-          </a:p>
-        </p:txBody>
-      </p:sp>
-      <p:sp>
-        <p:nvSpPr>
           <p:cNvPr id="5" name="Slide Number Placeholder 4">
             <a:extLst>
               <a:ext uri="{FF2B5EF4-FFF2-40B4-BE49-F238E27FC236}">
@@ -6611,6 +6772,39 @@
               <a:t>em qualquer lugar da área de programação para criar um comentário</a:t>
             </a:r>
             <a:endParaRPr lang="en-US" dirty="0"/>
+          </a:p>
+        </p:txBody>
+      </p:sp>
+      <p:sp>
+        <p:nvSpPr>
+          <p:cNvPr id="11" name="Footer Placeholder 3">
+            <a:extLst>
+              <a:ext uri="{FF2B5EF4-FFF2-40B4-BE49-F238E27FC236}">
+                <a16:creationId xmlns:a16="http://schemas.microsoft.com/office/drawing/2014/main" id="{2300CF30-C31E-42B0-90B9-C611FCA5E29F}"/>
+              </a:ext>
+            </a:extLst>
+          </p:cNvPr>
+          <p:cNvSpPr>
+            <a:spLocks noGrp="1"/>
+          </p:cNvSpPr>
+          <p:nvPr>
+            <p:ph type="ftr" sz="quarter" idx="11"/>
+          </p:nvPr>
+        </p:nvSpPr>
+        <p:spPr>
+          <a:xfrm>
+            <a:off x="88409" y="6321349"/>
+            <a:ext cx="4870585" cy="365125"/>
+          </a:xfrm>
+        </p:spPr>
+        <p:txBody>
+          <a:bodyPr/>
+          <a:lstStyle/>
+          <a:p>
+            <a:r>
+              <a:rPr lang="en-US" dirty="0"/>
+              <a:t>Copyright © 2020 SPIKE Prime Lessons (primelessons.org) CC-BY-NC-SA.  (Last edit: 07/12/2020)</a:t>
+            </a:r>
           </a:p>
         </p:txBody>
       </p:sp>
@@ -6677,19 +6871,11 @@
             </a:r>
             <a:r>
               <a:rPr lang="en-US" dirty="0" err="1"/>
-              <a:t>são</a:t>
+              <a:t>Comentários</a:t>
             </a:r>
             <a:r>
               <a:rPr lang="en-US" dirty="0"/>
-              <a:t> </a:t>
-            </a:r>
-            <a:r>
-              <a:rPr lang="en-US" dirty="0" err="1"/>
-              <a:t>comentários</a:t>
-            </a:r>
-            <a:r>
-              <a:rPr lang="en-US" dirty="0"/>
-              <a:t> </a:t>
+              <a:t> São </a:t>
             </a:r>
             <a:r>
               <a:rPr lang="en-US" dirty="0" err="1"/>
@@ -6720,8 +6906,8 @@
         </p:nvSpPr>
         <p:spPr>
           <a:xfrm>
-            <a:off x="155088" y="1140006"/>
-            <a:ext cx="3849021" cy="5082601"/>
+            <a:off x="155089" y="1140006"/>
+            <a:ext cx="3546474" cy="5082601"/>
           </a:xfrm>
         </p:spPr>
         <p:txBody>
@@ -6730,55 +6916,31 @@
           </a:bodyPr>
           <a:lstStyle/>
           <a:p>
+            <a:pPr algn="just"/>
             <a:r>
               <a:rPr lang="pt-BR" dirty="0"/>
-              <a:t>Faça comentários que sejam relevantes: eles não devem repetir o que já esta nos blocos</a:t>
-            </a:r>
-          </a:p>
-          <a:p>
+              <a:t>Faça comentários que sejam relevantes: eles não devem repetir o que já está nos blocos</a:t>
+            </a:r>
+          </a:p>
+          <a:p>
+            <a:pPr algn="just"/>
             <a:r>
               <a:rPr lang="pt-BR" dirty="0"/>
               <a:t>Comentários podem resumir o código e/ou documentar o pseudocódigo que você escreveu.</a:t>
             </a:r>
           </a:p>
           <a:p>
+            <a:pPr algn="just"/>
             <a:r>
               <a:rPr lang="pt-BR" dirty="0"/>
-              <a:t>Comentários podem ajudar a documentar valores que você esta testando no código.</a:t>
-            </a:r>
-          </a:p>
-          <a:p>
+              <a:t>Comentários podem ajudar a documentar valores que você está testando no código.</a:t>
+            </a:r>
+          </a:p>
+          <a:p>
+            <a:pPr algn="just"/>
             <a:r>
               <a:rPr lang="pt-BR" dirty="0"/>
               <a:t>Note: Em nossas lições não usamos comentários porque dificultaria o trabalho dos tradutores. Ao invés disso usamos caixas de texto no PowerPoint</a:t>
-            </a:r>
-          </a:p>
-        </p:txBody>
-      </p:sp>
-      <p:sp>
-        <p:nvSpPr>
-          <p:cNvPr id="4" name="Footer Placeholder 3">
-            <a:extLst>
-              <a:ext uri="{FF2B5EF4-FFF2-40B4-BE49-F238E27FC236}">
-                <a16:creationId xmlns:a16="http://schemas.microsoft.com/office/drawing/2014/main" id="{51CA3E5A-309E-452C-B754-3213F3292FEB}"/>
-              </a:ext>
-            </a:extLst>
-          </p:cNvPr>
-          <p:cNvSpPr>
-            <a:spLocks noGrp="1"/>
-          </p:cNvSpPr>
-          <p:nvPr>
-            <p:ph type="ftr" sz="quarter" idx="11"/>
-          </p:nvPr>
-        </p:nvSpPr>
-        <p:spPr/>
-        <p:txBody>
-          <a:bodyPr/>
-          <a:lstStyle/>
-          <a:p>
-            <a:r>
-              <a:rPr lang="en-US" dirty="0"/>
-              <a:t>Copyright © 2020 SPIKE Prime Lessons (primelessons.org) CC-BY-NC-SA.  (Last edit: 1/9/2020)</a:t>
             </a:r>
           </a:p>
         </p:txBody>
@@ -6842,6 +7004,39 @@
           </a:prstGeom>
         </p:spPr>
       </p:pic>
+      <p:sp>
+        <p:nvSpPr>
+          <p:cNvPr id="7" name="Footer Placeholder 3">
+            <a:extLst>
+              <a:ext uri="{FF2B5EF4-FFF2-40B4-BE49-F238E27FC236}">
+                <a16:creationId xmlns:a16="http://schemas.microsoft.com/office/drawing/2014/main" id="{616C0C0F-4914-401A-B63B-8586CA464E3E}"/>
+              </a:ext>
+            </a:extLst>
+          </p:cNvPr>
+          <p:cNvSpPr>
+            <a:spLocks noGrp="1"/>
+          </p:cNvSpPr>
+          <p:nvPr>
+            <p:ph type="ftr" sz="quarter" idx="11"/>
+          </p:nvPr>
+        </p:nvSpPr>
+        <p:spPr>
+          <a:xfrm>
+            <a:off x="88409" y="6321349"/>
+            <a:ext cx="4870585" cy="365125"/>
+          </a:xfrm>
+        </p:spPr>
+        <p:txBody>
+          <a:bodyPr/>
+          <a:lstStyle/>
+          <a:p>
+            <a:r>
+              <a:rPr lang="en-US" dirty="0"/>
+              <a:t>Copyright © 2020 SPIKE Prime Lessons (primelessons.org) CC-BY-NC-SA.  (Last edit: 07/12/2020)</a:t>
+            </a:r>
+          </a:p>
+        </p:txBody>
+      </p:sp>
     </p:spTree>
     <p:extLst>
       <p:ext uri="{BB962C8B-B14F-4D97-AF65-F5344CB8AC3E}">
@@ -7002,7 +7197,15 @@
             </a:r>
             <a:r>
               <a:rPr lang="en-US" sz="1600" dirty="0"/>
-              <a:t> por Lucas Colonna</a:t>
+              <a:t> por Lucas Colonna e </a:t>
+            </a:r>
+            <a:r>
+              <a:rPr lang="en-US" sz="1600" dirty="0" err="1"/>
+              <a:t>revisado</a:t>
+            </a:r>
+            <a:r>
+              <a:rPr lang="en-US" sz="1600" dirty="0"/>
+              <a:t> por Anderson Harayashiki Moreira</a:t>
             </a:r>
           </a:p>
         </p:txBody>
@@ -7024,7 +7227,7 @@
           <a:p>
             <a:r>
               <a:rPr lang="en-US" dirty="0"/>
-              <a:t>Copyright © 2020 SPIKE Prime Lessons (primelessons.org) CC-BY-NC-SA.  (Last edit: 1/9/2020)</a:t>
+              <a:t>Copyright © 2020 SPIKE Prime Lessons (primelessons.org) CC-BY-NC-SA.  (Last edit: 07/12/2020)</a:t>
             </a:r>
           </a:p>
         </p:txBody>
@@ -7054,7 +7257,7 @@
           <a:effectLst/>
           <a:extLst>
             <a:ext uri="{91240B29-F687-4f45-9708-019B960494DF}">
-              <a14:hiddenLine xmlns="" xmlns:a14="http://schemas.microsoft.com/office/drawing/2010/main" w="9525">
+              <a14:hiddenLine xmlns:a14="http://schemas.microsoft.com/office/drawing/2010/main" xmlns="" w="9525">
                 <a:solidFill>
                   <a:schemeClr val="tx1"/>
                 </a:solidFill>
@@ -7064,7 +7267,7 @@
               </a14:hiddenLine>
             </a:ext>
             <a:ext uri="{AF507438-7753-43e0-B8FC-AC1667EBCBE1}">
-              <a14:hiddenEffects xmlns="" xmlns:a14="http://schemas.microsoft.com/office/drawing/2010/main">
+              <a14:hiddenEffects xmlns:a14="http://schemas.microsoft.com/office/drawing/2010/main" xmlns="">
                 <a:effectLst>
                   <a:outerShdw dist="35921" dir="2700000" algn="ctr" rotWithShape="0">
                     <a:schemeClr val="bg2"/>
@@ -7405,7 +7608,7 @@
           <a:noFill/>
           <a:extLst>
             <a:ext uri="{909E8E84-426E-40dd-AFC4-6F175D3DCCD1}">
-              <a14:hiddenFill xmlns="" xmlns:a14="http://schemas.microsoft.com/office/drawing/2010/main">
+              <a14:hiddenFill xmlns:a14="http://schemas.microsoft.com/office/drawing/2010/main" xmlns="">
                 <a:solidFill>
                   <a:srgbClr val="FFFFFF"/>
                 </a:solidFill>
